--- a/Weekly Updates/Week8.pptx
+++ b/Weekly Updates/Week8.pptx
@@ -12,14 +12,15 @@
     <p:sldId id="279" r:id="rId6"/>
     <p:sldId id="277" r:id="rId7"/>
     <p:sldId id="275" r:id="rId8"/>
-    <p:sldId id="262" r:id="rId9"/>
-    <p:sldId id="265" r:id="rId10"/>
-    <p:sldId id="260" r:id="rId11"/>
-    <p:sldId id="261" r:id="rId12"/>
-    <p:sldId id="264" r:id="rId13"/>
-    <p:sldId id="266" r:id="rId14"/>
-    <p:sldId id="270" r:id="rId15"/>
-    <p:sldId id="271" r:id="rId16"/>
+    <p:sldId id="280" r:id="rId9"/>
+    <p:sldId id="262" r:id="rId10"/>
+    <p:sldId id="265" r:id="rId11"/>
+    <p:sldId id="260" r:id="rId12"/>
+    <p:sldId id="261" r:id="rId13"/>
+    <p:sldId id="264" r:id="rId14"/>
+    <p:sldId id="266" r:id="rId15"/>
+    <p:sldId id="270" r:id="rId16"/>
+    <p:sldId id="271" r:id="rId17"/>
   </p:sldIdLst>
   <p:sldSz cx="12192000" cy="6858000"/>
   <p:notesSz cx="6858000" cy="9144000"/>
@@ -1887,6 +1888,13 @@
         </dgm:presLayoutVars>
       </dgm:prSet>
       <dgm:spPr/>
+      <dgm:t>
+        <a:bodyPr/>
+        <a:lstStyle/>
+        <a:p>
+          <a:endParaRPr lang="en-US"/>
+        </a:p>
+      </dgm:t>
     </dgm:pt>
     <dgm:pt modelId="{0692D3B3-E3F2-4E66-80AD-F6E5DECB803A}" type="pres">
       <dgm:prSet presAssocID="{E045A50C-7A5C-4785-A650-8F6414D4D605}" presName="node" presStyleLbl="node1" presStyleIdx="0" presStyleCnt="3">
@@ -1906,10 +1914,24 @@
     <dgm:pt modelId="{344BF4AD-63F7-4B25-A82D-B014C933FA06}" type="pres">
       <dgm:prSet presAssocID="{87B12C75-B590-4AFB-BEB8-208CAA819417}" presName="sibTrans" presStyleLbl="sibTrans2D1" presStyleIdx="0" presStyleCnt="2" custScaleY="84861"/>
       <dgm:spPr/>
+      <dgm:t>
+        <a:bodyPr/>
+        <a:lstStyle/>
+        <a:p>
+          <a:endParaRPr lang="en-US"/>
+        </a:p>
+      </dgm:t>
     </dgm:pt>
     <dgm:pt modelId="{ED1F7B8A-D2CC-49FC-99E7-2759ED84609C}" type="pres">
       <dgm:prSet presAssocID="{87B12C75-B590-4AFB-BEB8-208CAA819417}" presName="connectorText" presStyleLbl="sibTrans2D1" presStyleIdx="0" presStyleCnt="2"/>
       <dgm:spPr/>
+      <dgm:t>
+        <a:bodyPr/>
+        <a:lstStyle/>
+        <a:p>
+          <a:endParaRPr lang="en-US"/>
+        </a:p>
+      </dgm:t>
     </dgm:pt>
     <dgm:pt modelId="{4817D75D-065A-405C-A435-F233713F992B}" type="pres">
       <dgm:prSet presAssocID="{54A6E8D0-A053-4370-BE3B-E5A723A72B59}" presName="node" presStyleLbl="node1" presStyleIdx="1" presStyleCnt="3">
@@ -1929,10 +1951,24 @@
     <dgm:pt modelId="{B8B0E280-429D-4A63-9EBE-9C47F8EAE862}" type="pres">
       <dgm:prSet presAssocID="{D7172061-A70D-4044-87A9-3408995875AD}" presName="sibTrans" presStyleLbl="sibTrans2D1" presStyleIdx="1" presStyleCnt="2" custFlipVert="1" custFlipHor="1" custScaleX="252823" custScaleY="204977" custLinFactX="-590922" custLinFactY="200000" custLinFactNeighborX="-600000" custLinFactNeighborY="292642"/>
       <dgm:spPr/>
+      <dgm:t>
+        <a:bodyPr/>
+        <a:lstStyle/>
+        <a:p>
+          <a:endParaRPr lang="en-US"/>
+        </a:p>
+      </dgm:t>
     </dgm:pt>
     <dgm:pt modelId="{01A71C95-AA53-470E-BC52-C1EE1E90AF0F}" type="pres">
       <dgm:prSet presAssocID="{D7172061-A70D-4044-87A9-3408995875AD}" presName="connectorText" presStyleLbl="sibTrans2D1" presStyleIdx="1" presStyleCnt="2"/>
       <dgm:spPr/>
+      <dgm:t>
+        <a:bodyPr/>
+        <a:lstStyle/>
+        <a:p>
+          <a:endParaRPr lang="en-US"/>
+        </a:p>
+      </dgm:t>
     </dgm:pt>
     <dgm:pt modelId="{BD388AF9-A004-45E5-A92E-C2CEE2C3EE22}" type="pres">
       <dgm:prSet presAssocID="{2EF354A4-C5CB-40C1-8721-C730A76D53D5}" presName="node" presStyleLbl="node1" presStyleIdx="2" presStyleCnt="3">
@@ -1951,17 +1987,17 @@
     </dgm:pt>
   </dgm:ptLst>
   <dgm:cxnLst>
+    <dgm:cxn modelId="{356224C0-83D7-4E75-A973-768625018D63}" srcId="{D4CB8CA0-2B26-492C-B75B-1726BE21E645}" destId="{2EF354A4-C5CB-40C1-8721-C730A76D53D5}" srcOrd="2" destOrd="0" parTransId="{5EFB9513-B026-473A-9C0E-A26A118158E9}" sibTransId="{4D23A0FE-374A-4FB7-BE6D-2F070C2C4FC1}"/>
     <dgm:cxn modelId="{45A8ABB7-CC15-44B9-898F-3945E675AAB6}" srcId="{D4CB8CA0-2B26-492C-B75B-1726BE21E645}" destId="{E045A50C-7A5C-4785-A650-8F6414D4D605}" srcOrd="0" destOrd="0" parTransId="{EB56EFC0-B8BB-4877-97F6-0DBB0D8D7BBD}" sibTransId="{87B12C75-B590-4AFB-BEB8-208CAA819417}"/>
     <dgm:cxn modelId="{C680450D-A1FB-4D40-B69F-31420E706BB5}" type="presOf" srcId="{D7172061-A70D-4044-87A9-3408995875AD}" destId="{B8B0E280-429D-4A63-9EBE-9C47F8EAE862}" srcOrd="0" destOrd="0" presId="urn:microsoft.com/office/officeart/2005/8/layout/process1"/>
-    <dgm:cxn modelId="{FDBFD9BA-6820-49D8-B463-57A048BF21BE}" type="presOf" srcId="{54A6E8D0-A053-4370-BE3B-E5A723A72B59}" destId="{4817D75D-065A-405C-A435-F233713F992B}" srcOrd="0" destOrd="0" presId="urn:microsoft.com/office/officeart/2005/8/layout/process1"/>
+    <dgm:cxn modelId="{6C13F452-7B6C-4A2E-8119-04DD083718AA}" type="presOf" srcId="{2EF354A4-C5CB-40C1-8721-C730A76D53D5}" destId="{BD388AF9-A004-45E5-A92E-C2CEE2C3EE22}" srcOrd="0" destOrd="0" presId="urn:microsoft.com/office/officeart/2005/8/layout/process1"/>
+    <dgm:cxn modelId="{66CAFE71-D75D-4F74-A636-B1609F1BDBEC}" type="presOf" srcId="{D7172061-A70D-4044-87A9-3408995875AD}" destId="{01A71C95-AA53-470E-BC52-C1EE1E90AF0F}" srcOrd="1" destOrd="0" presId="urn:microsoft.com/office/officeart/2005/8/layout/process1"/>
+    <dgm:cxn modelId="{3CC46084-3922-4599-9591-27EAEA51F34D}" srcId="{D4CB8CA0-2B26-492C-B75B-1726BE21E645}" destId="{54A6E8D0-A053-4370-BE3B-E5A723A72B59}" srcOrd="1" destOrd="0" parTransId="{A23F1D33-C214-4D31-9BC4-BEFB8C0258D3}" sibTransId="{D7172061-A70D-4044-87A9-3408995875AD}"/>
     <dgm:cxn modelId="{9549AC1E-D72F-4DEF-ACFF-1BD3165E64C2}" type="presOf" srcId="{87B12C75-B590-4AFB-BEB8-208CAA819417}" destId="{ED1F7B8A-D2CC-49FC-99E7-2759ED84609C}" srcOrd="1" destOrd="0" presId="urn:microsoft.com/office/officeart/2005/8/layout/process1"/>
     <dgm:cxn modelId="{57C985EA-9ECC-4ACF-8686-F7F118887934}" type="presOf" srcId="{D4CB8CA0-2B26-492C-B75B-1726BE21E645}" destId="{D5CBA658-93A9-4578-A561-59B6CA6B6CBB}" srcOrd="0" destOrd="0" presId="urn:microsoft.com/office/officeart/2005/8/layout/process1"/>
-    <dgm:cxn modelId="{3CC46084-3922-4599-9591-27EAEA51F34D}" srcId="{D4CB8CA0-2B26-492C-B75B-1726BE21E645}" destId="{54A6E8D0-A053-4370-BE3B-E5A723A72B59}" srcOrd="1" destOrd="0" parTransId="{A23F1D33-C214-4D31-9BC4-BEFB8C0258D3}" sibTransId="{D7172061-A70D-4044-87A9-3408995875AD}"/>
-    <dgm:cxn modelId="{356224C0-83D7-4E75-A973-768625018D63}" srcId="{D4CB8CA0-2B26-492C-B75B-1726BE21E645}" destId="{2EF354A4-C5CB-40C1-8721-C730A76D53D5}" srcOrd="2" destOrd="0" parTransId="{5EFB9513-B026-473A-9C0E-A26A118158E9}" sibTransId="{4D23A0FE-374A-4FB7-BE6D-2F070C2C4FC1}"/>
     <dgm:cxn modelId="{681EA226-5BF7-4007-8E6F-C90C10C7939D}" type="presOf" srcId="{E045A50C-7A5C-4785-A650-8F6414D4D605}" destId="{0692D3B3-E3F2-4E66-80AD-F6E5DECB803A}" srcOrd="0" destOrd="0" presId="urn:microsoft.com/office/officeart/2005/8/layout/process1"/>
-    <dgm:cxn modelId="{6C13F452-7B6C-4A2E-8119-04DD083718AA}" type="presOf" srcId="{2EF354A4-C5CB-40C1-8721-C730A76D53D5}" destId="{BD388AF9-A004-45E5-A92E-C2CEE2C3EE22}" srcOrd="0" destOrd="0" presId="urn:microsoft.com/office/officeart/2005/8/layout/process1"/>
-    <dgm:cxn modelId="{66CAFE71-D75D-4F74-A636-B1609F1BDBEC}" type="presOf" srcId="{D7172061-A70D-4044-87A9-3408995875AD}" destId="{01A71C95-AA53-470E-BC52-C1EE1E90AF0F}" srcOrd="1" destOrd="0" presId="urn:microsoft.com/office/officeart/2005/8/layout/process1"/>
     <dgm:cxn modelId="{33C73561-E702-443D-94B3-191D27BEB50D}" type="presOf" srcId="{87B12C75-B590-4AFB-BEB8-208CAA819417}" destId="{344BF4AD-63F7-4B25-A82D-B014C933FA06}" srcOrd="0" destOrd="0" presId="urn:microsoft.com/office/officeart/2005/8/layout/process1"/>
+    <dgm:cxn modelId="{FDBFD9BA-6820-49D8-B463-57A048BF21BE}" type="presOf" srcId="{54A6E8D0-A053-4370-BE3B-E5A723A72B59}" destId="{4817D75D-065A-405C-A435-F233713F992B}" srcOrd="0" destOrd="0" presId="urn:microsoft.com/office/officeart/2005/8/layout/process1"/>
     <dgm:cxn modelId="{2DD5C86F-DF12-44D3-AD69-2008EA36ECCA}" type="presParOf" srcId="{D5CBA658-93A9-4578-A561-59B6CA6B6CBB}" destId="{0692D3B3-E3F2-4E66-80AD-F6E5DECB803A}" srcOrd="0" destOrd="0" presId="urn:microsoft.com/office/officeart/2005/8/layout/process1"/>
     <dgm:cxn modelId="{A0179B1F-1F91-4C5B-917B-C01120C91E8A}" type="presParOf" srcId="{D5CBA658-93A9-4578-A561-59B6CA6B6CBB}" destId="{344BF4AD-63F7-4B25-A82D-B014C933FA06}" srcOrd="1" destOrd="0" presId="urn:microsoft.com/office/officeart/2005/8/layout/process1"/>
     <dgm:cxn modelId="{A886A996-A307-4FA7-9DBC-FD48D355093A}" type="presParOf" srcId="{344BF4AD-63F7-4B25-A82D-B014C933FA06}" destId="{ED1F7B8A-D2CC-49FC-99E7-2759ED84609C}" srcOrd="0" destOrd="0" presId="urn:microsoft.com/office/officeart/2005/8/layout/process1"/>
@@ -2092,10 +2128,24 @@
     <dgm:pt modelId="{344BF4AD-63F7-4B25-A82D-B014C933FA06}" type="pres">
       <dgm:prSet presAssocID="{87B12C75-B590-4AFB-BEB8-208CAA819417}" presName="sibTrans" presStyleLbl="sibTrans2D1" presStyleIdx="0" presStyleCnt="1" custScaleX="96102" custScaleY="82152"/>
       <dgm:spPr/>
+      <dgm:t>
+        <a:bodyPr/>
+        <a:lstStyle/>
+        <a:p>
+          <a:endParaRPr lang="en-US"/>
+        </a:p>
+      </dgm:t>
     </dgm:pt>
     <dgm:pt modelId="{ED1F7B8A-D2CC-49FC-99E7-2759ED84609C}" type="pres">
       <dgm:prSet presAssocID="{87B12C75-B590-4AFB-BEB8-208CAA819417}" presName="connectorText" presStyleLbl="sibTrans2D1" presStyleIdx="0" presStyleCnt="1"/>
       <dgm:spPr/>
+      <dgm:t>
+        <a:bodyPr/>
+        <a:lstStyle/>
+        <a:p>
+          <a:endParaRPr lang="en-US"/>
+        </a:p>
+      </dgm:t>
     </dgm:pt>
     <dgm:pt modelId="{4817D75D-065A-405C-A435-F233713F992B}" type="pres">
       <dgm:prSet presAssocID="{54A6E8D0-A053-4370-BE3B-E5A723A72B59}" presName="node" presStyleLbl="node1" presStyleIdx="1" presStyleCnt="2">
@@ -2114,10 +2164,10 @@
     </dgm:pt>
   </dgm:ptLst>
   <dgm:cxnLst>
+    <dgm:cxn modelId="{9549AC1E-D72F-4DEF-ACFF-1BD3165E64C2}" type="presOf" srcId="{87B12C75-B590-4AFB-BEB8-208CAA819417}" destId="{ED1F7B8A-D2CC-49FC-99E7-2759ED84609C}" srcOrd="1" destOrd="0" presId="urn:microsoft.com/office/officeart/2005/8/layout/process1"/>
     <dgm:cxn modelId="{FDBFD9BA-6820-49D8-B463-57A048BF21BE}" type="presOf" srcId="{54A6E8D0-A053-4370-BE3B-E5A723A72B59}" destId="{4817D75D-065A-405C-A435-F233713F992B}" srcOrd="0" destOrd="0" presId="urn:microsoft.com/office/officeart/2005/8/layout/process1"/>
+    <dgm:cxn modelId="{45A8ABB7-CC15-44B9-898F-3945E675AAB6}" srcId="{D4CB8CA0-2B26-492C-B75B-1726BE21E645}" destId="{E045A50C-7A5C-4785-A650-8F6414D4D605}" srcOrd="0" destOrd="0" parTransId="{EB56EFC0-B8BB-4877-97F6-0DBB0D8D7BBD}" sibTransId="{87B12C75-B590-4AFB-BEB8-208CAA819417}"/>
     <dgm:cxn modelId="{3CC46084-3922-4599-9591-27EAEA51F34D}" srcId="{D4CB8CA0-2B26-492C-B75B-1726BE21E645}" destId="{54A6E8D0-A053-4370-BE3B-E5A723A72B59}" srcOrd="1" destOrd="0" parTransId="{A23F1D33-C214-4D31-9BC4-BEFB8C0258D3}" sibTransId="{D7172061-A70D-4044-87A9-3408995875AD}"/>
-    <dgm:cxn modelId="{9549AC1E-D72F-4DEF-ACFF-1BD3165E64C2}" type="presOf" srcId="{87B12C75-B590-4AFB-BEB8-208CAA819417}" destId="{ED1F7B8A-D2CC-49FC-99E7-2759ED84609C}" srcOrd="1" destOrd="0" presId="urn:microsoft.com/office/officeart/2005/8/layout/process1"/>
-    <dgm:cxn modelId="{45A8ABB7-CC15-44B9-898F-3945E675AAB6}" srcId="{D4CB8CA0-2B26-492C-B75B-1726BE21E645}" destId="{E045A50C-7A5C-4785-A650-8F6414D4D605}" srcOrd="0" destOrd="0" parTransId="{EB56EFC0-B8BB-4877-97F6-0DBB0D8D7BBD}" sibTransId="{87B12C75-B590-4AFB-BEB8-208CAA819417}"/>
     <dgm:cxn modelId="{57C985EA-9ECC-4ACF-8686-F7F118887934}" type="presOf" srcId="{D4CB8CA0-2B26-492C-B75B-1726BE21E645}" destId="{D5CBA658-93A9-4578-A561-59B6CA6B6CBB}" srcOrd="0" destOrd="0" presId="urn:microsoft.com/office/officeart/2005/8/layout/process1"/>
     <dgm:cxn modelId="{33C73561-E702-443D-94B3-191D27BEB50D}" type="presOf" srcId="{87B12C75-B590-4AFB-BEB8-208CAA819417}" destId="{344BF4AD-63F7-4B25-A82D-B014C933FA06}" srcOrd="0" destOrd="0" presId="urn:microsoft.com/office/officeart/2005/8/layout/process1"/>
     <dgm:cxn modelId="{681EA226-5BF7-4007-8E6F-C90C10C7939D}" type="presOf" srcId="{E045A50C-7A5C-4785-A650-8F6414D4D605}" destId="{0692D3B3-E3F2-4E66-80AD-F6E5DECB803A}" srcOrd="0" destOrd="0" presId="urn:microsoft.com/office/officeart/2005/8/layout/process1"/>
@@ -5283,7 +5333,7 @@
           <a:p>
             <a:fld id="{8CFAD378-7451-4777-A831-E1432E1A94CB}" type="datetimeFigureOut">
               <a:rPr lang="en-US" smtClean="0"/>
-              <a:t>7/24/2018</a:t>
+              <a:t>7/25/2018</a:t>
             </a:fld>
             <a:endParaRPr lang="en-US"/>
           </a:p>
@@ -5481,7 +5531,7 @@
           <a:p>
             <a:fld id="{8CFAD378-7451-4777-A831-E1432E1A94CB}" type="datetimeFigureOut">
               <a:rPr lang="en-US" smtClean="0"/>
-              <a:t>7/24/2018</a:t>
+              <a:t>7/25/2018</a:t>
             </a:fld>
             <a:endParaRPr lang="en-US"/>
           </a:p>
@@ -5689,7 +5739,7 @@
           <a:p>
             <a:fld id="{8CFAD378-7451-4777-A831-E1432E1A94CB}" type="datetimeFigureOut">
               <a:rPr lang="en-US" smtClean="0"/>
-              <a:t>7/24/2018</a:t>
+              <a:t>7/25/2018</a:t>
             </a:fld>
             <a:endParaRPr lang="en-US"/>
           </a:p>
@@ -5887,7 +5937,7 @@
           <a:p>
             <a:fld id="{8CFAD378-7451-4777-A831-E1432E1A94CB}" type="datetimeFigureOut">
               <a:rPr lang="en-US" smtClean="0"/>
-              <a:t>7/24/2018</a:t>
+              <a:t>7/25/2018</a:t>
             </a:fld>
             <a:endParaRPr lang="en-US"/>
           </a:p>
@@ -6162,7 +6212,7 @@
           <a:p>
             <a:fld id="{8CFAD378-7451-4777-A831-E1432E1A94CB}" type="datetimeFigureOut">
               <a:rPr lang="en-US" smtClean="0"/>
-              <a:t>7/24/2018</a:t>
+              <a:t>7/25/2018</a:t>
             </a:fld>
             <a:endParaRPr lang="en-US"/>
           </a:p>
@@ -6427,7 +6477,7 @@
           <a:p>
             <a:fld id="{8CFAD378-7451-4777-A831-E1432E1A94CB}" type="datetimeFigureOut">
               <a:rPr lang="en-US" smtClean="0"/>
-              <a:t>7/24/2018</a:t>
+              <a:t>7/25/2018</a:t>
             </a:fld>
             <a:endParaRPr lang="en-US"/>
           </a:p>
@@ -6839,7 +6889,7 @@
           <a:p>
             <a:fld id="{8CFAD378-7451-4777-A831-E1432E1A94CB}" type="datetimeFigureOut">
               <a:rPr lang="en-US" smtClean="0"/>
-              <a:t>7/24/2018</a:t>
+              <a:t>7/25/2018</a:t>
             </a:fld>
             <a:endParaRPr lang="en-US"/>
           </a:p>
@@ -6980,7 +7030,7 @@
           <a:p>
             <a:fld id="{8CFAD378-7451-4777-A831-E1432E1A94CB}" type="datetimeFigureOut">
               <a:rPr lang="en-US" smtClean="0"/>
-              <a:t>7/24/2018</a:t>
+              <a:t>7/25/2018</a:t>
             </a:fld>
             <a:endParaRPr lang="en-US"/>
           </a:p>
@@ -7093,7 +7143,7 @@
           <a:p>
             <a:fld id="{8CFAD378-7451-4777-A831-E1432E1A94CB}" type="datetimeFigureOut">
               <a:rPr lang="en-US" smtClean="0"/>
-              <a:t>7/24/2018</a:t>
+              <a:t>7/25/2018</a:t>
             </a:fld>
             <a:endParaRPr lang="en-US"/>
           </a:p>
@@ -7404,7 +7454,7 @@
           <a:p>
             <a:fld id="{8CFAD378-7451-4777-A831-E1432E1A94CB}" type="datetimeFigureOut">
               <a:rPr lang="en-US" smtClean="0"/>
-              <a:t>7/24/2018</a:t>
+              <a:t>7/25/2018</a:t>
             </a:fld>
             <a:endParaRPr lang="en-US"/>
           </a:p>
@@ -7692,7 +7742,7 @@
           <a:p>
             <a:fld id="{8CFAD378-7451-4777-A831-E1432E1A94CB}" type="datetimeFigureOut">
               <a:rPr lang="en-US" smtClean="0"/>
-              <a:t>7/24/2018</a:t>
+              <a:t>7/25/2018</a:t>
             </a:fld>
             <a:endParaRPr lang="en-US"/>
           </a:p>
@@ -7933,7 +7983,7 @@
           <a:p>
             <a:fld id="{8CFAD378-7451-4777-A831-E1432E1A94CB}" type="datetimeFigureOut">
               <a:rPr lang="en-US" smtClean="0"/>
-              <a:t>7/24/2018</a:t>
+              <a:t>7/25/2018</a:t>
             </a:fld>
             <a:endParaRPr lang="en-US"/>
           </a:p>
@@ -8477,6 +8527,125 @@
           <p:cNvPr id="2" name="Title 1">
             <a:extLst>
               <a:ext uri="{FF2B5EF4-FFF2-40B4-BE49-F238E27FC236}">
+                <a16:creationId xmlns:a16="http://schemas.microsoft.com/office/drawing/2014/main" id="{74D03DE4-8F63-4CF3-B2F1-D8930A138178}"/>
+              </a:ext>
+            </a:extLst>
+          </p:cNvPr>
+          <p:cNvSpPr>
+            <a:spLocks noGrp="1"/>
+          </p:cNvSpPr>
+          <p:nvPr>
+            <p:ph type="title"/>
+          </p:nvPr>
+        </p:nvSpPr>
+        <p:spPr/>
+        <p:txBody>
+          <a:bodyPr/>
+          <a:lstStyle/>
+          <a:p>
+            <a:r>
+              <a:rPr lang="en-US" dirty="0" smtClean="0"/>
+              <a:t>Project </a:t>
+            </a:r>
+            <a:r>
+              <a:rPr lang="en-US" dirty="0"/>
+              <a:t>Decisions</a:t>
+            </a:r>
+          </a:p>
+        </p:txBody>
+      </p:sp>
+      <p:sp>
+        <p:nvSpPr>
+          <p:cNvPr id="3" name="Content Placeholder 2">
+            <a:extLst>
+              <a:ext uri="{FF2B5EF4-FFF2-40B4-BE49-F238E27FC236}">
+                <a16:creationId xmlns:a16="http://schemas.microsoft.com/office/drawing/2014/main" id="{A96EC9EA-A5D4-4E2C-BC85-CEDE3BC1F5E6}"/>
+              </a:ext>
+            </a:extLst>
+          </p:cNvPr>
+          <p:cNvSpPr>
+            <a:spLocks noGrp="1"/>
+          </p:cNvSpPr>
+          <p:nvPr>
+            <p:ph idx="1"/>
+          </p:nvPr>
+        </p:nvSpPr>
+        <p:spPr/>
+        <p:txBody>
+          <a:bodyPr/>
+          <a:lstStyle/>
+          <a:p>
+            <a:r>
+              <a:rPr lang="en-US" dirty="0"/>
+              <a:t>Need a proper name and description to display in </a:t>
+            </a:r>
+            <a:r>
+              <a:rPr lang="en-US" dirty="0" smtClean="0"/>
+              <a:t>SolidWorks</a:t>
+            </a:r>
+          </a:p>
+          <a:p>
+            <a:endParaRPr lang="en-US" dirty="0"/>
+          </a:p>
+          <a:p>
+            <a:r>
+              <a:rPr lang="en-US" dirty="0" smtClean="0"/>
+              <a:t>Need to determine ideal instructions for message-box prompts</a:t>
+            </a:r>
+          </a:p>
+          <a:p>
+            <a:endParaRPr lang="en-US" dirty="0"/>
+          </a:p>
+          <a:p>
+            <a:r>
+              <a:rPr lang="en-US" dirty="0" smtClean="0"/>
+              <a:t>Need to choose message prompts when user hovers over info buttons</a:t>
+            </a:r>
+            <a:endParaRPr lang="en-US" dirty="0"/>
+          </a:p>
+          <a:p>
+            <a:endParaRPr lang="en-US" dirty="0"/>
+          </a:p>
+          <a:p>
+            <a:endParaRPr lang="en-US" dirty="0"/>
+          </a:p>
+        </p:txBody>
+      </p:sp>
+    </p:spTree>
+    <p:extLst>
+      <p:ext uri="{BB962C8B-B14F-4D97-AF65-F5344CB8AC3E}">
+        <p14:creationId xmlns:p14="http://schemas.microsoft.com/office/powerpoint/2010/main" val="1983117304"/>
+      </p:ext>
+    </p:extLst>
+  </p:cSld>
+  <p:clrMapOvr>
+    <a:masterClrMapping/>
+  </p:clrMapOvr>
+</p:sld>
+</file>
+
+<file path=ppt/slides/slide11.xml><?xml version="1.0" encoding="utf-8"?>
+<p:sld xmlns:a="http://schemas.openxmlformats.org/drawingml/2006/main" xmlns:r="http://schemas.openxmlformats.org/officeDocument/2006/relationships" xmlns:p="http://schemas.openxmlformats.org/presentationml/2006/main">
+  <p:cSld>
+    <p:spTree>
+      <p:nvGrpSpPr>
+        <p:cNvPr id="1" name=""/>
+        <p:cNvGrpSpPr/>
+        <p:nvPr/>
+      </p:nvGrpSpPr>
+      <p:grpSpPr>
+        <a:xfrm>
+          <a:off x="0" y="0"/>
+          <a:ext cx="0" cy="0"/>
+          <a:chOff x="0" y="0"/>
+          <a:chExt cx="0" cy="0"/>
+        </a:xfrm>
+      </p:grpSpPr>
+      <p:sp>
+        <p:nvSpPr>
+          <p:cNvPr id="2" name="Title 1">
+            <a:extLst>
+              <a:ext uri="{FF2B5EF4-FFF2-40B4-BE49-F238E27FC236}">
                 <a16:creationId xmlns:a16="http://schemas.microsoft.com/office/drawing/2014/main" id="{9326EEC7-422E-4A70-8740-43F28C77C875}"/>
               </a:ext>
             </a:extLst>
@@ -8574,7 +8743,7 @@
 </p:sld>
 </file>
 
-<file path=ppt/slides/slide11.xml><?xml version="1.0" encoding="utf-8"?>
+<file path=ppt/slides/slide12.xml><?xml version="1.0" encoding="utf-8"?>
 <p:sld xmlns:a="http://schemas.openxmlformats.org/drawingml/2006/main" xmlns:r="http://schemas.openxmlformats.org/officeDocument/2006/relationships" xmlns:p="http://schemas.openxmlformats.org/presentationml/2006/main">
   <p:cSld>
     <p:spTree>
@@ -8681,7 +8850,7 @@
 </p:sld>
 </file>
 
-<file path=ppt/slides/slide12.xml><?xml version="1.0" encoding="utf-8"?>
+<file path=ppt/slides/slide13.xml><?xml version="1.0" encoding="utf-8"?>
 <p:sld xmlns:a="http://schemas.openxmlformats.org/drawingml/2006/main" xmlns:r="http://schemas.openxmlformats.org/officeDocument/2006/relationships" xmlns:p="http://schemas.openxmlformats.org/presentationml/2006/main">
   <p:cSld>
     <p:spTree>
@@ -8767,115 +8936,6 @@
     <p:extLst>
       <p:ext uri="{BB962C8B-B14F-4D97-AF65-F5344CB8AC3E}">
         <p14:creationId xmlns:p14="http://schemas.microsoft.com/office/powerpoint/2010/main" val="790591578"/>
-      </p:ext>
-    </p:extLst>
-  </p:cSld>
-  <p:clrMapOvr>
-    <a:masterClrMapping/>
-  </p:clrMapOvr>
-</p:sld>
-</file>
-
-<file path=ppt/slides/slide13.xml><?xml version="1.0" encoding="utf-8"?>
-<p:sld xmlns:a="http://schemas.openxmlformats.org/drawingml/2006/main" xmlns:r="http://schemas.openxmlformats.org/officeDocument/2006/relationships" xmlns:p="http://schemas.openxmlformats.org/presentationml/2006/main">
-  <p:cSld>
-    <p:spTree>
-      <p:nvGrpSpPr>
-        <p:cNvPr id="1" name=""/>
-        <p:cNvGrpSpPr/>
-        <p:nvPr/>
-      </p:nvGrpSpPr>
-      <p:grpSpPr>
-        <a:xfrm>
-          <a:off x="0" y="0"/>
-          <a:ext cx="0" cy="0"/>
-          <a:chOff x="0" y="0"/>
-          <a:chExt cx="0" cy="0"/>
-        </a:xfrm>
-      </p:grpSpPr>
-      <p:sp>
-        <p:nvSpPr>
-          <p:cNvPr id="2" name="Title 1"/>
-          <p:cNvSpPr>
-            <a:spLocks noGrp="1"/>
-          </p:cNvSpPr>
-          <p:nvPr>
-            <p:ph type="title"/>
-          </p:nvPr>
-        </p:nvSpPr>
-        <p:spPr/>
-        <p:txBody>
-          <a:bodyPr/>
-          <a:lstStyle/>
-          <a:p>
-            <a:r>
-              <a:rPr lang="en-US" dirty="0"/>
-              <a:t>Problems List and Solution (Cont’d)</a:t>
-            </a:r>
-          </a:p>
-        </p:txBody>
-      </p:sp>
-      <p:sp>
-        <p:nvSpPr>
-          <p:cNvPr id="3" name="Content Placeholder 2"/>
-          <p:cNvSpPr>
-            <a:spLocks noGrp="1"/>
-          </p:cNvSpPr>
-          <p:nvPr>
-            <p:ph idx="1"/>
-          </p:nvPr>
-        </p:nvSpPr>
-        <p:spPr/>
-        <p:txBody>
-          <a:bodyPr/>
-          <a:lstStyle/>
-          <a:p>
-            <a:r>
-              <a:rPr lang="en-US" dirty="0"/>
-              <a:t>Installing add-in shows too many Command Manager Items</a:t>
-            </a:r>
-          </a:p>
-          <a:p>
-            <a:endParaRPr lang="en-US" dirty="0"/>
-          </a:p>
-          <a:p>
-            <a:r>
-              <a:rPr lang="en-US" dirty="0"/>
-              <a:t>Renaming the project when you have a Command Manager Item plug-in causes this</a:t>
-            </a:r>
-          </a:p>
-          <a:p>
-            <a:endParaRPr lang="en-US" dirty="0"/>
-          </a:p>
-          <a:p>
-            <a:r>
-              <a:rPr lang="en-US" dirty="0"/>
-              <a:t>Have not found the fix so far</a:t>
-            </a:r>
-          </a:p>
-          <a:p>
-            <a:endParaRPr lang="en-US" dirty="0"/>
-          </a:p>
-          <a:p>
-            <a:r>
-              <a:rPr lang="en-US" dirty="0"/>
-              <a:t>Possible walk-around: clone the project, and export a new .</a:t>
-            </a:r>
-            <a:r>
-              <a:rPr lang="en-US" dirty="0" err="1"/>
-              <a:t>dll</a:t>
-            </a:r>
-            <a:r>
-              <a:rPr lang="en-US" dirty="0"/>
-              <a:t> </a:t>
-            </a:r>
-          </a:p>
-        </p:txBody>
-      </p:sp>
-    </p:spTree>
-    <p:extLst>
-      <p:ext uri="{BB962C8B-B14F-4D97-AF65-F5344CB8AC3E}">
-        <p14:creationId xmlns:p14="http://schemas.microsoft.com/office/powerpoint/2010/main" val="2651655616"/>
       </p:ext>
     </p:extLst>
   </p:cSld>
@@ -8940,6 +9000,115 @@
           <a:lstStyle/>
           <a:p>
             <a:r>
+              <a:rPr lang="en-US" dirty="0"/>
+              <a:t>Installing add-in shows too many Command Manager Items</a:t>
+            </a:r>
+          </a:p>
+          <a:p>
+            <a:endParaRPr lang="en-US" dirty="0"/>
+          </a:p>
+          <a:p>
+            <a:r>
+              <a:rPr lang="en-US" dirty="0"/>
+              <a:t>Renaming the project when you have a Command Manager Item plug-in causes this</a:t>
+            </a:r>
+          </a:p>
+          <a:p>
+            <a:endParaRPr lang="en-US" dirty="0"/>
+          </a:p>
+          <a:p>
+            <a:r>
+              <a:rPr lang="en-US" dirty="0"/>
+              <a:t>Have not found the fix so far</a:t>
+            </a:r>
+          </a:p>
+          <a:p>
+            <a:endParaRPr lang="en-US" dirty="0"/>
+          </a:p>
+          <a:p>
+            <a:r>
+              <a:rPr lang="en-US" dirty="0"/>
+              <a:t>Possible walk-around: clone the project, and export a new .</a:t>
+            </a:r>
+            <a:r>
+              <a:rPr lang="en-US" dirty="0" err="1"/>
+              <a:t>dll</a:t>
+            </a:r>
+            <a:r>
+              <a:rPr lang="en-US" dirty="0"/>
+              <a:t> </a:t>
+            </a:r>
+          </a:p>
+        </p:txBody>
+      </p:sp>
+    </p:spTree>
+    <p:extLst>
+      <p:ext uri="{BB962C8B-B14F-4D97-AF65-F5344CB8AC3E}">
+        <p14:creationId xmlns:p14="http://schemas.microsoft.com/office/powerpoint/2010/main" val="2651655616"/>
+      </p:ext>
+    </p:extLst>
+  </p:cSld>
+  <p:clrMapOvr>
+    <a:masterClrMapping/>
+  </p:clrMapOvr>
+</p:sld>
+</file>
+
+<file path=ppt/slides/slide15.xml><?xml version="1.0" encoding="utf-8"?>
+<p:sld xmlns:a="http://schemas.openxmlformats.org/drawingml/2006/main" xmlns:r="http://schemas.openxmlformats.org/officeDocument/2006/relationships" xmlns:p="http://schemas.openxmlformats.org/presentationml/2006/main">
+  <p:cSld>
+    <p:spTree>
+      <p:nvGrpSpPr>
+        <p:cNvPr id="1" name=""/>
+        <p:cNvGrpSpPr/>
+        <p:nvPr/>
+      </p:nvGrpSpPr>
+      <p:grpSpPr>
+        <a:xfrm>
+          <a:off x="0" y="0"/>
+          <a:ext cx="0" cy="0"/>
+          <a:chOff x="0" y="0"/>
+          <a:chExt cx="0" cy="0"/>
+        </a:xfrm>
+      </p:grpSpPr>
+      <p:sp>
+        <p:nvSpPr>
+          <p:cNvPr id="2" name="Title 1"/>
+          <p:cNvSpPr>
+            <a:spLocks noGrp="1"/>
+          </p:cNvSpPr>
+          <p:nvPr>
+            <p:ph type="title"/>
+          </p:nvPr>
+        </p:nvSpPr>
+        <p:spPr/>
+        <p:txBody>
+          <a:bodyPr/>
+          <a:lstStyle/>
+          <a:p>
+            <a:r>
+              <a:rPr lang="en-US" dirty="0"/>
+              <a:t>Problems List and Solution (Cont’d)</a:t>
+            </a:r>
+          </a:p>
+        </p:txBody>
+      </p:sp>
+      <p:sp>
+        <p:nvSpPr>
+          <p:cNvPr id="3" name="Content Placeholder 2"/>
+          <p:cNvSpPr>
+            <a:spLocks noGrp="1"/>
+          </p:cNvSpPr>
+          <p:nvPr>
+            <p:ph idx="1"/>
+          </p:nvPr>
+        </p:nvSpPr>
+        <p:spPr/>
+        <p:txBody>
+          <a:bodyPr/>
+          <a:lstStyle/>
+          <a:p>
+            <a:r>
               <a:rPr lang="en-US" dirty="0" err="1" smtClean="0"/>
               <a:t>SculptPrint</a:t>
             </a:r>
@@ -9015,7 +9184,7 @@
 </p:sld>
 </file>
 
-<file path=ppt/slides/slide15.xml><?xml version="1.0" encoding="utf-8"?>
+<file path=ppt/slides/slide16.xml><?xml version="1.0" encoding="utf-8"?>
 <p:sld xmlns:a="http://schemas.openxmlformats.org/drawingml/2006/main" xmlns:r="http://schemas.openxmlformats.org/officeDocument/2006/relationships" xmlns:p="http://schemas.openxmlformats.org/presentationml/2006/main">
   <p:cSld>
     <p:spTree>
@@ -9225,11 +9394,7 @@
             </a:pPr>
             <a:r>
               <a:rPr lang="en-US" dirty="0" smtClean="0"/>
-              <a:t>Finished</a:t>
-            </a:r>
-            <a:r>
-              <a:rPr lang="en-US" dirty="0" smtClean="0"/>
-              <a:t> </a:t>
+              <a:t>Finished </a:t>
             </a:r>
             <a:r>
               <a:rPr lang="en-US" dirty="0"/>
@@ -10201,11 +10366,7 @@
             <a:pPr algn="ctr"/>
             <a:r>
               <a:rPr lang="en-US" dirty="0" smtClean="0"/>
-              <a:t>Citrix Receiver logged into </a:t>
-            </a:r>
-            <a:r>
-              <a:rPr lang="en-US" dirty="0" smtClean="0"/>
-              <a:t>ME-VXL-M60</a:t>
+              <a:t>Citrix Receiver logged into ME-VXL-M60</a:t>
             </a:r>
           </a:p>
           <a:p>
@@ -10353,19 +10514,7 @@
             <a:pPr algn="ctr"/>
             <a:r>
               <a:rPr lang="en-US" dirty="0" smtClean="0"/>
-              <a:t>Produces DFM </a:t>
-            </a:r>
-            <a:r>
-              <a:rPr lang="en-US" dirty="0" smtClean="0"/>
-              <a:t>feedback </a:t>
-            </a:r>
-            <a:r>
-              <a:rPr lang="en-US" dirty="0" smtClean="0"/>
-              <a:t>result </a:t>
-            </a:r>
-            <a:r>
-              <a:rPr lang="en-US" dirty="0" smtClean="0"/>
-              <a:t>(</a:t>
+              <a:t>Produces DFM feedback result (</a:t>
             </a:r>
             <a:r>
               <a:rPr lang="en-US" dirty="0" err="1" smtClean="0"/>
@@ -10568,13 +10717,7 @@
       </p:grpSpPr>
       <p:sp>
         <p:nvSpPr>
-          <p:cNvPr id="2" name="Title 1">
-            <a:extLst>
-              <a:ext uri="{FF2B5EF4-FFF2-40B4-BE49-F238E27FC236}">
-                <a16:creationId xmlns:a16="http://schemas.microsoft.com/office/drawing/2014/main" id="{C5DAE7CA-9369-48CD-9541-C82E72C2C0C5}"/>
-              </a:ext>
-            </a:extLst>
-          </p:cNvPr>
+          <p:cNvPr id="2" name="Title 1"/>
           <p:cNvSpPr>
             <a:spLocks noGrp="1"/>
           </p:cNvSpPr>
@@ -10588,21 +10731,16 @@
           <a:lstStyle/>
           <a:p>
             <a:r>
-              <a:rPr lang="en-US" dirty="0"/>
-              <a:t>Next Steps</a:t>
-            </a:r>
+              <a:rPr lang="en-US" dirty="0" smtClean="0"/>
+              <a:t>If SSH/SFTP does not pan out</a:t>
+            </a:r>
+            <a:endParaRPr lang="en-US" dirty="0"/>
           </a:p>
         </p:txBody>
       </p:sp>
       <p:sp>
         <p:nvSpPr>
-          <p:cNvPr id="3" name="Content Placeholder 2">
-            <a:extLst>
-              <a:ext uri="{FF2B5EF4-FFF2-40B4-BE49-F238E27FC236}">
-                <a16:creationId xmlns:a16="http://schemas.microsoft.com/office/drawing/2014/main" id="{D44BE787-6C9A-42E8-B9CA-921D09C037CE}"/>
-              </a:ext>
-            </a:extLst>
-          </p:cNvPr>
+          <p:cNvPr id="3" name="Content Placeholder 2"/>
           <p:cNvSpPr>
             <a:spLocks noGrp="1"/>
           </p:cNvSpPr>
@@ -10612,123 +10750,81 @@
         </p:nvSpPr>
         <p:spPr/>
         <p:txBody>
-          <a:bodyPr>
-            <a:normAutofit/>
-          </a:bodyPr>
+          <a:bodyPr/>
           <a:lstStyle/>
           <a:p>
-            <a:pPr marL="514350" indent="-514350">
-              <a:buFont typeface="+mj-lt"/>
-              <a:buAutoNum type="arabicPeriod"/>
-            </a:pPr>
             <a:r>
               <a:rPr lang="en-US" dirty="0" smtClean="0"/>
-              <a:t>Finish </a:t>
-            </a:r>
-            <a:r>
-              <a:rPr lang="en-US" dirty="0" err="1" smtClean="0"/>
-              <a:t>SculptPrint</a:t>
-            </a:r>
+              <a:t>We can use a website to host experiment files</a:t>
+            </a:r>
+          </a:p>
+          <a:p>
+            <a:pPr lvl="1"/>
             <a:r>
               <a:rPr lang="en-US" dirty="0" smtClean="0"/>
-              <a:t> </a:t>
+              <a:t>I can </a:t>
+            </a:r>
+            <a:r>
+              <a:rPr lang="en-US" smtClean="0"/>
+              <a:t>test this on my </a:t>
             </a:r>
             <a:r>
               <a:rPr lang="en-US" dirty="0" smtClean="0"/>
-              <a:t>interface</a:t>
+              <a:t>web space (marellapudi.com)</a:t>
             </a:r>
           </a:p>
           <a:p>
             <a:pPr lvl="1"/>
             <a:r>
               <a:rPr lang="en-US" dirty="0" smtClean="0"/>
-              <a:t>Finalize communication between experiment laptop and researcher machine</a:t>
+              <a:t>Upload/download files between experiment laptop and research machine</a:t>
             </a:r>
           </a:p>
           <a:p>
             <a:pPr lvl="1"/>
             <a:r>
               <a:rPr lang="en-US" dirty="0" smtClean="0"/>
-              <a:t>Conduct test run of experiment work flow to determine bugs</a:t>
-            </a:r>
+              <a:t>Doesn’t require GT supervision (I think)</a:t>
+            </a:r>
+          </a:p>
+          <a:p>
+            <a:pPr lvl="1"/>
             <a:endParaRPr lang="en-US" dirty="0"/>
           </a:p>
           <a:p>
-            <a:pPr marL="971550" lvl="1" indent="-514350">
-              <a:buFont typeface="+mj-lt"/>
-              <a:buAutoNum type="arabicPeriod"/>
-            </a:pPr>
-            <a:endParaRPr lang="en-US" dirty="0"/>
-          </a:p>
-          <a:p>
-            <a:pPr marL="514350" indent="-514350">
-              <a:buFont typeface="+mj-lt"/>
-              <a:buAutoNum type="arabicPeriod"/>
-            </a:pPr>
-            <a:r>
-              <a:rPr lang="en-US" dirty="0" smtClean="0"/>
-              <a:t>Make </a:t>
-            </a:r>
-            <a:r>
-              <a:rPr lang="en-US" dirty="0" smtClean="0"/>
-              <a:t>installation </a:t>
-            </a:r>
-            <a:r>
-              <a:rPr lang="en-US" dirty="0" smtClean="0"/>
-              <a:t>report and comment all code</a:t>
-            </a:r>
-            <a:endParaRPr lang="en-US" dirty="0" smtClean="0"/>
-          </a:p>
-          <a:p>
             <a:pPr lvl="1"/>
-            <a:r>
-              <a:rPr lang="en-US" dirty="0" smtClean="0"/>
-              <a:t>This will be a </a:t>
-            </a:r>
-            <a:r>
-              <a:rPr lang="en-US" dirty="0" smtClean="0"/>
-              <a:t>word </a:t>
-            </a:r>
-            <a:r>
-              <a:rPr lang="en-US" dirty="0" smtClean="0"/>
-              <a:t>write-up</a:t>
-            </a:r>
-          </a:p>
-          <a:p>
-            <a:pPr marL="514350" indent="-514350">
-              <a:buFont typeface="+mj-lt"/>
-              <a:buAutoNum type="arabicPeriod"/>
-            </a:pPr>
-            <a:endParaRPr lang="en-US" dirty="0"/>
-          </a:p>
-          <a:p>
-            <a:pPr marL="514350" indent="-514350">
-              <a:buFont typeface="+mj-lt"/>
-              <a:buAutoNum type="arabicPeriod"/>
-            </a:pPr>
-            <a:r>
-              <a:rPr lang="en-US" dirty="0" smtClean="0"/>
-              <a:t>Make guide for tutorial </a:t>
-            </a:r>
-            <a:r>
-              <a:rPr lang="en-US" dirty="0" smtClean="0"/>
-              <a:t>part (pawn piece)</a:t>
-            </a:r>
-            <a:endParaRPr lang="en-US" dirty="0"/>
-          </a:p>
-          <a:p>
-            <a:pPr marL="457200" indent="-457200">
-              <a:buFont typeface="+mj-lt"/>
-              <a:buAutoNum type="arabicPeriod"/>
-            </a:pPr>
             <a:endParaRPr lang="en-US" dirty="0"/>
           </a:p>
         </p:txBody>
       </p:sp>
+      <p:pic>
+        <p:nvPicPr>
+          <p:cNvPr id="4" name="Picture 3"/>
+          <p:cNvPicPr>
+            <a:picLocks noChangeAspect="1"/>
+          </p:cNvPicPr>
+          <p:nvPr/>
+        </p:nvPicPr>
+        <p:blipFill>
+          <a:blip r:embed="rId2"/>
+          <a:stretch>
+            <a:fillRect/>
+          </a:stretch>
+        </p:blipFill>
+        <p:spPr>
+          <a:xfrm>
+            <a:off x="2223026" y="4127864"/>
+            <a:ext cx="7745947" cy="1187494"/>
+          </a:xfrm>
+          <a:prstGeom prst="rect">
+            <a:avLst/>
+          </a:prstGeom>
+        </p:spPr>
+      </p:pic>
     </p:spTree>
     <p:extLst>
       <p:ext uri="{BB962C8B-B14F-4D97-AF65-F5344CB8AC3E}">
-        <p14:creationId xmlns:p14="http://schemas.microsoft.com/office/powerpoint/2010/main" val="2696789135"/>
+        <p14:creationId xmlns:p14="http://schemas.microsoft.com/office/powerpoint/2010/main" val="231296165"/>
       </p:ext>
     </p:extLst>
   </p:cSld>
@@ -10760,7 +10856,7 @@
           <p:cNvPr id="2" name="Title 1">
             <a:extLst>
               <a:ext uri="{FF2B5EF4-FFF2-40B4-BE49-F238E27FC236}">
-                <a16:creationId xmlns:a16="http://schemas.microsoft.com/office/drawing/2014/main" id="{74D03DE4-8F63-4CF3-B2F1-D8930A138178}"/>
+                <a16:creationId xmlns:a16="http://schemas.microsoft.com/office/drawing/2014/main" id="{C5DAE7CA-9369-48CD-9541-C82E72C2C0C5}"/>
               </a:ext>
             </a:extLst>
           </p:cNvPr>
@@ -10777,12 +10873,8 @@
           <a:lstStyle/>
           <a:p>
             <a:r>
-              <a:rPr lang="en-US" dirty="0" smtClean="0"/>
-              <a:t>Project </a:t>
-            </a:r>
-            <a:r>
               <a:rPr lang="en-US" dirty="0"/>
-              <a:t>Decisions</a:t>
+              <a:t>Next Steps</a:t>
             </a:r>
           </a:p>
         </p:txBody>
@@ -10792,7 +10884,7 @@
           <p:cNvPr id="3" name="Content Placeholder 2">
             <a:extLst>
               <a:ext uri="{FF2B5EF4-FFF2-40B4-BE49-F238E27FC236}">
-                <a16:creationId xmlns:a16="http://schemas.microsoft.com/office/drawing/2014/main" id="{A96EC9EA-A5D4-4E2C-BC85-CEDE3BC1F5E6}"/>
+                <a16:creationId xmlns:a16="http://schemas.microsoft.com/office/drawing/2014/main" id="{D44BE787-6C9A-42E8-B9CA-921D09C037CE}"/>
               </a:ext>
             </a:extLst>
           </p:cNvPr>
@@ -10805,41 +10897,90 @@
         </p:nvSpPr>
         <p:spPr/>
         <p:txBody>
-          <a:bodyPr/>
+          <a:bodyPr>
+            <a:normAutofit/>
+          </a:bodyPr>
           <a:lstStyle/>
           <a:p>
-            <a:r>
-              <a:rPr lang="en-US" dirty="0"/>
-              <a:t>Need a proper name and description to display in </a:t>
-            </a:r>
+            <a:pPr marL="514350" indent="-514350">
+              <a:buFont typeface="+mj-lt"/>
+              <a:buAutoNum type="arabicPeriod"/>
+            </a:pPr>
             <a:r>
               <a:rPr lang="en-US" dirty="0" smtClean="0"/>
-              <a:t>SolidWorks</a:t>
-            </a:r>
-          </a:p>
-          <a:p>
+              <a:t>Finish </a:t>
+            </a:r>
+            <a:r>
+              <a:rPr lang="en-US" dirty="0" err="1" smtClean="0"/>
+              <a:t>SculptPrint</a:t>
+            </a:r>
+            <a:r>
+              <a:rPr lang="en-US" dirty="0" smtClean="0"/>
+              <a:t> interface</a:t>
+            </a:r>
+          </a:p>
+          <a:p>
+            <a:pPr lvl="1"/>
+            <a:r>
+              <a:rPr lang="en-US" dirty="0" smtClean="0"/>
+              <a:t>Finalize communication between experiment laptop and researcher machine</a:t>
+            </a:r>
+          </a:p>
+          <a:p>
+            <a:pPr lvl="1"/>
+            <a:r>
+              <a:rPr lang="en-US" dirty="0" smtClean="0"/>
+              <a:t>Conduct test run of experiment work flow to determine bugs</a:t>
+            </a:r>
             <a:endParaRPr lang="en-US" dirty="0"/>
           </a:p>
           <a:p>
+            <a:pPr marL="971550" lvl="1" indent="-514350">
+              <a:buFont typeface="+mj-lt"/>
+              <a:buAutoNum type="arabicPeriod"/>
+            </a:pPr>
+            <a:endParaRPr lang="en-US" dirty="0"/>
+          </a:p>
+          <a:p>
+            <a:pPr marL="514350" indent="-514350">
+              <a:buFont typeface="+mj-lt"/>
+              <a:buAutoNum type="arabicPeriod"/>
+            </a:pPr>
             <a:r>
               <a:rPr lang="en-US" dirty="0" smtClean="0"/>
-              <a:t>Need to determine ideal instructions for message-box prompts</a:t>
-            </a:r>
-          </a:p>
-          <a:p>
+              <a:t>Make installation report and comment all code</a:t>
+            </a:r>
+          </a:p>
+          <a:p>
+            <a:pPr lvl="1"/>
+            <a:r>
+              <a:rPr lang="en-US" dirty="0" smtClean="0"/>
+              <a:t>This will be a word write-up</a:t>
+            </a:r>
+          </a:p>
+          <a:p>
+            <a:pPr marL="514350" indent="-514350">
+              <a:buFont typeface="+mj-lt"/>
+              <a:buAutoNum type="arabicPeriod"/>
+            </a:pPr>
             <a:endParaRPr lang="en-US" dirty="0"/>
           </a:p>
           <a:p>
+            <a:pPr marL="514350" indent="-514350">
+              <a:buFont typeface="+mj-lt"/>
+              <a:buAutoNum type="arabicPeriod"/>
+            </a:pPr>
             <a:r>
               <a:rPr lang="en-US" dirty="0" smtClean="0"/>
-              <a:t>Need to choose message prompts when user hovers over info buttons</a:t>
+              <a:t>Make guide for tutorial part (pawn piece)</a:t>
             </a:r>
             <a:endParaRPr lang="en-US" dirty="0"/>
           </a:p>
           <a:p>
-            <a:endParaRPr lang="en-US" dirty="0"/>
-          </a:p>
-          <a:p>
+            <a:pPr marL="457200" indent="-457200">
+              <a:buFont typeface="+mj-lt"/>
+              <a:buAutoNum type="arabicPeriod"/>
+            </a:pPr>
             <a:endParaRPr lang="en-US" dirty="0"/>
           </a:p>
         </p:txBody>
@@ -10847,7 +10988,7 @@
     </p:spTree>
     <p:extLst>
       <p:ext uri="{BB962C8B-B14F-4D97-AF65-F5344CB8AC3E}">
-        <p14:creationId xmlns:p14="http://schemas.microsoft.com/office/powerpoint/2010/main" val="1983117304"/>
+        <p14:creationId xmlns:p14="http://schemas.microsoft.com/office/powerpoint/2010/main" val="2696789135"/>
       </p:ext>
     </p:extLst>
   </p:cSld>
